--- a/ppt 16-9/0606.生命的执着.pptx
+++ b/ppt 16-9/0606.生命的执着.pptx
@@ -5,7 +5,7 @@
     <p:sldMasterId id="2147483648" r:id="rId1"/>
   </p:sldMasterIdLst>
   <p:sldIdLst>
-    <p:sldId id="2388" r:id="rId2"/>
+    <p:sldId id="2390" r:id="rId2"/>
   </p:sldIdLst>
   <p:sldSz cx="12192000" cy="6858000"/>
   <p:notesSz cx="6858000" cy="9144000"/>
@@ -129,7 +129,7 @@
           <p:cNvPr id="2" name="标题 1">
             <a:extLst>
               <a:ext uri="{FF2B5EF4-FFF2-40B4-BE49-F238E27FC236}">
-                <a16:creationId xmlns:a16="http://schemas.microsoft.com/office/drawing/2014/main" id="{A9A765BD-DE49-202E-F690-97E9C248AFCD}"/>
+                <a16:creationId xmlns:a16="http://schemas.microsoft.com/office/drawing/2014/main" id="{FB0FFEC3-99CE-E44E-83A9-2C96CB505E0B}"/>
               </a:ext>
             </a:extLst>
           </p:cNvPr>
@@ -166,7 +166,7 @@
           <p:cNvPr id="3" name="副标题 2">
             <a:extLst>
               <a:ext uri="{FF2B5EF4-FFF2-40B4-BE49-F238E27FC236}">
-                <a16:creationId xmlns:a16="http://schemas.microsoft.com/office/drawing/2014/main" id="{EDC1EE28-1868-0C56-E98A-1A4CB8C54626}"/>
+                <a16:creationId xmlns:a16="http://schemas.microsoft.com/office/drawing/2014/main" id="{B19934B5-DBB5-E507-D946-13556FC1D717}"/>
               </a:ext>
             </a:extLst>
           </p:cNvPr>
@@ -236,7 +236,7 @@
           <p:cNvPr id="4" name="日期占位符 3">
             <a:extLst>
               <a:ext uri="{FF2B5EF4-FFF2-40B4-BE49-F238E27FC236}">
-                <a16:creationId xmlns:a16="http://schemas.microsoft.com/office/drawing/2014/main" id="{891FBB63-0119-14D8-AC45-41DEAD2013B5}"/>
+                <a16:creationId xmlns:a16="http://schemas.microsoft.com/office/drawing/2014/main" id="{61439915-207A-155F-D7F5-6787650E7E3C}"/>
               </a:ext>
             </a:extLst>
           </p:cNvPr>
@@ -252,7 +252,7 @@
           <a:bodyPr/>
           <a:lstStyle/>
           <a:p>
-            <a:fld id="{AA539E78-DEBC-4BE3-BD36-4B5A7EECC651}" type="datetimeFigureOut">
+            <a:fld id="{71EF31F9-D284-4D48-B7D4-F902BABF7893}" type="datetimeFigureOut">
               <a:rPr lang="zh-CN" altLang="en-US" smtClean="0"/>
               <a:t>2024/3/10</a:t>
             </a:fld>
@@ -265,7 +265,7 @@
           <p:cNvPr id="5" name="页脚占位符 4">
             <a:extLst>
               <a:ext uri="{FF2B5EF4-FFF2-40B4-BE49-F238E27FC236}">
-                <a16:creationId xmlns:a16="http://schemas.microsoft.com/office/drawing/2014/main" id="{B298F13C-2BBB-2AB8-0AF4-5EAB65140DAE}"/>
+                <a16:creationId xmlns:a16="http://schemas.microsoft.com/office/drawing/2014/main" id="{6A6BCDEC-3B33-C2D0-14B8-860C52E28C57}"/>
               </a:ext>
             </a:extLst>
           </p:cNvPr>
@@ -290,7 +290,7 @@
           <p:cNvPr id="6" name="灯片编号占位符 5">
             <a:extLst>
               <a:ext uri="{FF2B5EF4-FFF2-40B4-BE49-F238E27FC236}">
-                <a16:creationId xmlns:a16="http://schemas.microsoft.com/office/drawing/2014/main" id="{B5364D35-EE50-AAA8-3F60-E7EA200C03B3}"/>
+                <a16:creationId xmlns:a16="http://schemas.microsoft.com/office/drawing/2014/main" id="{1761793D-310C-2C5B-68D2-F927A16D10C9}"/>
               </a:ext>
             </a:extLst>
           </p:cNvPr>
@@ -306,7 +306,7 @@
           <a:bodyPr/>
           <a:lstStyle/>
           <a:p>
-            <a:fld id="{5C69DB18-CE29-4616-8D80-F024CA6C95BC}" type="slidenum">
+            <a:fld id="{7A7AC50B-E2BC-49F8-AACB-B70DAD56CE6D}" type="slidenum">
               <a:rPr lang="zh-CN" altLang="en-US" smtClean="0"/>
               <a:t>‹#›</a:t>
             </a:fld>
@@ -317,7 +317,7 @@
     </p:spTree>
     <p:extLst>
       <p:ext uri="{BB962C8B-B14F-4D97-AF65-F5344CB8AC3E}">
-        <p14:creationId xmlns:p14="http://schemas.microsoft.com/office/powerpoint/2010/main" val="2913173295"/>
+        <p14:creationId xmlns:p14="http://schemas.microsoft.com/office/powerpoint/2010/main" val="2846843020"/>
       </p:ext>
     </p:extLst>
   </p:cSld>
@@ -349,7 +349,7 @@
           <p:cNvPr id="2" name="标题 1">
             <a:extLst>
               <a:ext uri="{FF2B5EF4-FFF2-40B4-BE49-F238E27FC236}">
-                <a16:creationId xmlns:a16="http://schemas.microsoft.com/office/drawing/2014/main" id="{5117D4BD-668C-753E-BE68-67D127BF5FEB}"/>
+                <a16:creationId xmlns:a16="http://schemas.microsoft.com/office/drawing/2014/main" id="{FD1FD91F-2DD7-40AB-BF83-78D080EA6A05}"/>
               </a:ext>
             </a:extLst>
           </p:cNvPr>
@@ -377,7 +377,7 @@
           <p:cNvPr id="3" name="竖排文字占位符 2">
             <a:extLst>
               <a:ext uri="{FF2B5EF4-FFF2-40B4-BE49-F238E27FC236}">
-                <a16:creationId xmlns:a16="http://schemas.microsoft.com/office/drawing/2014/main" id="{559D48D1-FCB4-9309-880F-AD1B1441B43E}"/>
+                <a16:creationId xmlns:a16="http://schemas.microsoft.com/office/drawing/2014/main" id="{75759A51-B5AC-16E1-3CDF-2099E979E7A3}"/>
               </a:ext>
             </a:extLst>
           </p:cNvPr>
@@ -434,7 +434,7 @@
           <p:cNvPr id="4" name="日期占位符 3">
             <a:extLst>
               <a:ext uri="{FF2B5EF4-FFF2-40B4-BE49-F238E27FC236}">
-                <a16:creationId xmlns:a16="http://schemas.microsoft.com/office/drawing/2014/main" id="{41C03663-7CF2-6412-1C32-3082F0F174E1}"/>
+                <a16:creationId xmlns:a16="http://schemas.microsoft.com/office/drawing/2014/main" id="{B6A0D6DD-A669-C79D-7047-CAA365A8E4D6}"/>
               </a:ext>
             </a:extLst>
           </p:cNvPr>
@@ -450,7 +450,7 @@
           <a:bodyPr/>
           <a:lstStyle/>
           <a:p>
-            <a:fld id="{AA539E78-DEBC-4BE3-BD36-4B5A7EECC651}" type="datetimeFigureOut">
+            <a:fld id="{71EF31F9-D284-4D48-B7D4-F902BABF7893}" type="datetimeFigureOut">
               <a:rPr lang="zh-CN" altLang="en-US" smtClean="0"/>
               <a:t>2024/3/10</a:t>
             </a:fld>
@@ -463,7 +463,7 @@
           <p:cNvPr id="5" name="页脚占位符 4">
             <a:extLst>
               <a:ext uri="{FF2B5EF4-FFF2-40B4-BE49-F238E27FC236}">
-                <a16:creationId xmlns:a16="http://schemas.microsoft.com/office/drawing/2014/main" id="{21E3590B-A003-EF48-2D01-3BAFD8C70F77}"/>
+                <a16:creationId xmlns:a16="http://schemas.microsoft.com/office/drawing/2014/main" id="{D99408C4-0FCC-7A52-CC03-60F21737936D}"/>
               </a:ext>
             </a:extLst>
           </p:cNvPr>
@@ -488,7 +488,7 @@
           <p:cNvPr id="6" name="灯片编号占位符 5">
             <a:extLst>
               <a:ext uri="{FF2B5EF4-FFF2-40B4-BE49-F238E27FC236}">
-                <a16:creationId xmlns:a16="http://schemas.microsoft.com/office/drawing/2014/main" id="{2EBB3B28-A1A0-81AB-18D0-078AA376AE7A}"/>
+                <a16:creationId xmlns:a16="http://schemas.microsoft.com/office/drawing/2014/main" id="{0807AE76-C28D-222E-72AE-44EEFE244075}"/>
               </a:ext>
             </a:extLst>
           </p:cNvPr>
@@ -504,7 +504,7 @@
           <a:bodyPr/>
           <a:lstStyle/>
           <a:p>
-            <a:fld id="{5C69DB18-CE29-4616-8D80-F024CA6C95BC}" type="slidenum">
+            <a:fld id="{7A7AC50B-E2BC-49F8-AACB-B70DAD56CE6D}" type="slidenum">
               <a:rPr lang="zh-CN" altLang="en-US" smtClean="0"/>
               <a:t>‹#›</a:t>
             </a:fld>
@@ -515,7 +515,7 @@
     </p:spTree>
     <p:extLst>
       <p:ext uri="{BB962C8B-B14F-4D97-AF65-F5344CB8AC3E}">
-        <p14:creationId xmlns:p14="http://schemas.microsoft.com/office/powerpoint/2010/main" val="3349518340"/>
+        <p14:creationId xmlns:p14="http://schemas.microsoft.com/office/powerpoint/2010/main" val="430574130"/>
       </p:ext>
     </p:extLst>
   </p:cSld>
@@ -547,7 +547,7 @@
           <p:cNvPr id="2" name="竖排标题 1">
             <a:extLst>
               <a:ext uri="{FF2B5EF4-FFF2-40B4-BE49-F238E27FC236}">
-                <a16:creationId xmlns:a16="http://schemas.microsoft.com/office/drawing/2014/main" id="{73E48727-4456-7BDB-F93D-D4BA8057B3C7}"/>
+                <a16:creationId xmlns:a16="http://schemas.microsoft.com/office/drawing/2014/main" id="{164AFEEC-8348-A8DA-EE67-D368A7DED129}"/>
               </a:ext>
             </a:extLst>
           </p:cNvPr>
@@ -580,7 +580,7 @@
           <p:cNvPr id="3" name="竖排文字占位符 2">
             <a:extLst>
               <a:ext uri="{FF2B5EF4-FFF2-40B4-BE49-F238E27FC236}">
-                <a16:creationId xmlns:a16="http://schemas.microsoft.com/office/drawing/2014/main" id="{96219492-4AD5-1B86-1153-6F906B6E8351}"/>
+                <a16:creationId xmlns:a16="http://schemas.microsoft.com/office/drawing/2014/main" id="{2778A086-5B5D-B1A6-AA61-FC03CCA12F64}"/>
               </a:ext>
             </a:extLst>
           </p:cNvPr>
@@ -642,7 +642,7 @@
           <p:cNvPr id="4" name="日期占位符 3">
             <a:extLst>
               <a:ext uri="{FF2B5EF4-FFF2-40B4-BE49-F238E27FC236}">
-                <a16:creationId xmlns:a16="http://schemas.microsoft.com/office/drawing/2014/main" id="{396506CB-624B-7A77-7665-A0C582EF547B}"/>
+                <a16:creationId xmlns:a16="http://schemas.microsoft.com/office/drawing/2014/main" id="{F205AD8D-B698-2662-ECBA-3817AD7A8161}"/>
               </a:ext>
             </a:extLst>
           </p:cNvPr>
@@ -658,7 +658,7 @@
           <a:bodyPr/>
           <a:lstStyle/>
           <a:p>
-            <a:fld id="{AA539E78-DEBC-4BE3-BD36-4B5A7EECC651}" type="datetimeFigureOut">
+            <a:fld id="{71EF31F9-D284-4D48-B7D4-F902BABF7893}" type="datetimeFigureOut">
               <a:rPr lang="zh-CN" altLang="en-US" smtClean="0"/>
               <a:t>2024/3/10</a:t>
             </a:fld>
@@ -671,7 +671,7 @@
           <p:cNvPr id="5" name="页脚占位符 4">
             <a:extLst>
               <a:ext uri="{FF2B5EF4-FFF2-40B4-BE49-F238E27FC236}">
-                <a16:creationId xmlns:a16="http://schemas.microsoft.com/office/drawing/2014/main" id="{7885438A-D753-78A7-FAD1-9923D3A2025E}"/>
+                <a16:creationId xmlns:a16="http://schemas.microsoft.com/office/drawing/2014/main" id="{22D8FE15-4A88-FCBF-DC1D-2F360E9AEFF5}"/>
               </a:ext>
             </a:extLst>
           </p:cNvPr>
@@ -696,7 +696,7 @@
           <p:cNvPr id="6" name="灯片编号占位符 5">
             <a:extLst>
               <a:ext uri="{FF2B5EF4-FFF2-40B4-BE49-F238E27FC236}">
-                <a16:creationId xmlns:a16="http://schemas.microsoft.com/office/drawing/2014/main" id="{853F3930-C4D1-AEAE-5A25-24A76A37ED6D}"/>
+                <a16:creationId xmlns:a16="http://schemas.microsoft.com/office/drawing/2014/main" id="{57A3F667-3FBF-DA2A-AEDA-5773B478AB18}"/>
               </a:ext>
             </a:extLst>
           </p:cNvPr>
@@ -712,7 +712,7 @@
           <a:bodyPr/>
           <a:lstStyle/>
           <a:p>
-            <a:fld id="{5C69DB18-CE29-4616-8D80-F024CA6C95BC}" type="slidenum">
+            <a:fld id="{7A7AC50B-E2BC-49F8-AACB-B70DAD56CE6D}" type="slidenum">
               <a:rPr lang="zh-CN" altLang="en-US" smtClean="0"/>
               <a:t>‹#›</a:t>
             </a:fld>
@@ -723,7 +723,7 @@
     </p:spTree>
     <p:extLst>
       <p:ext uri="{BB962C8B-B14F-4D97-AF65-F5344CB8AC3E}">
-        <p14:creationId xmlns:p14="http://schemas.microsoft.com/office/powerpoint/2010/main" val="3437183295"/>
+        <p14:creationId xmlns:p14="http://schemas.microsoft.com/office/powerpoint/2010/main" val="389547758"/>
       </p:ext>
     </p:extLst>
   </p:cSld>
@@ -755,7 +755,7 @@
           <p:cNvPr id="2" name="标题 1">
             <a:extLst>
               <a:ext uri="{FF2B5EF4-FFF2-40B4-BE49-F238E27FC236}">
-                <a16:creationId xmlns:a16="http://schemas.microsoft.com/office/drawing/2014/main" id="{6E6CF64A-9D31-D25B-0599-AA6BE4EC19F5}"/>
+                <a16:creationId xmlns:a16="http://schemas.microsoft.com/office/drawing/2014/main" id="{34B904CE-3851-A904-6411-E913E644EC12}"/>
               </a:ext>
             </a:extLst>
           </p:cNvPr>
@@ -783,7 +783,7 @@
           <p:cNvPr id="3" name="内容占位符 2">
             <a:extLst>
               <a:ext uri="{FF2B5EF4-FFF2-40B4-BE49-F238E27FC236}">
-                <a16:creationId xmlns:a16="http://schemas.microsoft.com/office/drawing/2014/main" id="{999583CC-AA24-8D38-E43C-0451802A03D1}"/>
+                <a16:creationId xmlns:a16="http://schemas.microsoft.com/office/drawing/2014/main" id="{1BE7B50E-D50D-47D6-8F4D-16254F8A8E67}"/>
               </a:ext>
             </a:extLst>
           </p:cNvPr>
@@ -840,7 +840,7 @@
           <p:cNvPr id="4" name="日期占位符 3">
             <a:extLst>
               <a:ext uri="{FF2B5EF4-FFF2-40B4-BE49-F238E27FC236}">
-                <a16:creationId xmlns:a16="http://schemas.microsoft.com/office/drawing/2014/main" id="{A347E158-EF5C-CFA2-B6F4-28770C72D791}"/>
+                <a16:creationId xmlns:a16="http://schemas.microsoft.com/office/drawing/2014/main" id="{3B82A938-0D7F-F809-D097-BD033F52F471}"/>
               </a:ext>
             </a:extLst>
           </p:cNvPr>
@@ -856,7 +856,7 @@
           <a:bodyPr/>
           <a:lstStyle/>
           <a:p>
-            <a:fld id="{AA539E78-DEBC-4BE3-BD36-4B5A7EECC651}" type="datetimeFigureOut">
+            <a:fld id="{71EF31F9-D284-4D48-B7D4-F902BABF7893}" type="datetimeFigureOut">
               <a:rPr lang="zh-CN" altLang="en-US" smtClean="0"/>
               <a:t>2024/3/10</a:t>
             </a:fld>
@@ -869,7 +869,7 @@
           <p:cNvPr id="5" name="页脚占位符 4">
             <a:extLst>
               <a:ext uri="{FF2B5EF4-FFF2-40B4-BE49-F238E27FC236}">
-                <a16:creationId xmlns:a16="http://schemas.microsoft.com/office/drawing/2014/main" id="{8C8644A3-8979-E5FC-AFEE-30BE9CF3DF05}"/>
+                <a16:creationId xmlns:a16="http://schemas.microsoft.com/office/drawing/2014/main" id="{EE02AC3D-CE39-7E87-E948-42B806184698}"/>
               </a:ext>
             </a:extLst>
           </p:cNvPr>
@@ -894,7 +894,7 @@
           <p:cNvPr id="6" name="灯片编号占位符 5">
             <a:extLst>
               <a:ext uri="{FF2B5EF4-FFF2-40B4-BE49-F238E27FC236}">
-                <a16:creationId xmlns:a16="http://schemas.microsoft.com/office/drawing/2014/main" id="{60C238B0-553D-0B97-CF44-DEFF643A4884}"/>
+                <a16:creationId xmlns:a16="http://schemas.microsoft.com/office/drawing/2014/main" id="{9DD11A30-CAD4-7003-72A5-8CB68FC60F1D}"/>
               </a:ext>
             </a:extLst>
           </p:cNvPr>
@@ -910,7 +910,7 @@
           <a:bodyPr/>
           <a:lstStyle/>
           <a:p>
-            <a:fld id="{5C69DB18-CE29-4616-8D80-F024CA6C95BC}" type="slidenum">
+            <a:fld id="{7A7AC50B-E2BC-49F8-AACB-B70DAD56CE6D}" type="slidenum">
               <a:rPr lang="zh-CN" altLang="en-US" smtClean="0"/>
               <a:t>‹#›</a:t>
             </a:fld>
@@ -921,7 +921,7 @@
     </p:spTree>
     <p:extLst>
       <p:ext uri="{BB962C8B-B14F-4D97-AF65-F5344CB8AC3E}">
-        <p14:creationId xmlns:p14="http://schemas.microsoft.com/office/powerpoint/2010/main" val="2778259350"/>
+        <p14:creationId xmlns:p14="http://schemas.microsoft.com/office/powerpoint/2010/main" val="1796290052"/>
       </p:ext>
     </p:extLst>
   </p:cSld>
@@ -953,7 +953,7 @@
           <p:cNvPr id="2" name="标题 1">
             <a:extLst>
               <a:ext uri="{FF2B5EF4-FFF2-40B4-BE49-F238E27FC236}">
-                <a16:creationId xmlns:a16="http://schemas.microsoft.com/office/drawing/2014/main" id="{C94EC9D6-354C-8223-EDBE-6B3D07156470}"/>
+                <a16:creationId xmlns:a16="http://schemas.microsoft.com/office/drawing/2014/main" id="{BB6DACFE-E140-3C82-7C22-30CEF9F97C04}"/>
               </a:ext>
             </a:extLst>
           </p:cNvPr>
@@ -990,7 +990,7 @@
           <p:cNvPr id="3" name="文本占位符 2">
             <a:extLst>
               <a:ext uri="{FF2B5EF4-FFF2-40B4-BE49-F238E27FC236}">
-                <a16:creationId xmlns:a16="http://schemas.microsoft.com/office/drawing/2014/main" id="{7740013B-5975-32FE-4998-BCEB706A9FA4}"/>
+                <a16:creationId xmlns:a16="http://schemas.microsoft.com/office/drawing/2014/main" id="{E28B826E-57DC-AC73-107E-D489848FDC5A}"/>
               </a:ext>
             </a:extLst>
           </p:cNvPr>
@@ -1115,7 +1115,7 @@
           <p:cNvPr id="4" name="日期占位符 3">
             <a:extLst>
               <a:ext uri="{FF2B5EF4-FFF2-40B4-BE49-F238E27FC236}">
-                <a16:creationId xmlns:a16="http://schemas.microsoft.com/office/drawing/2014/main" id="{3F0123F1-4CD3-6820-F671-3D2E21FFE021}"/>
+                <a16:creationId xmlns:a16="http://schemas.microsoft.com/office/drawing/2014/main" id="{481BE57F-09D7-DC1E-7F05-49166B5B9B65}"/>
               </a:ext>
             </a:extLst>
           </p:cNvPr>
@@ -1131,7 +1131,7 @@
           <a:bodyPr/>
           <a:lstStyle/>
           <a:p>
-            <a:fld id="{AA539E78-DEBC-4BE3-BD36-4B5A7EECC651}" type="datetimeFigureOut">
+            <a:fld id="{71EF31F9-D284-4D48-B7D4-F902BABF7893}" type="datetimeFigureOut">
               <a:rPr lang="zh-CN" altLang="en-US" smtClean="0"/>
               <a:t>2024/3/10</a:t>
             </a:fld>
@@ -1144,7 +1144,7 @@
           <p:cNvPr id="5" name="页脚占位符 4">
             <a:extLst>
               <a:ext uri="{FF2B5EF4-FFF2-40B4-BE49-F238E27FC236}">
-                <a16:creationId xmlns:a16="http://schemas.microsoft.com/office/drawing/2014/main" id="{8B74138C-2B5B-F181-66B4-411BFDA58AD3}"/>
+                <a16:creationId xmlns:a16="http://schemas.microsoft.com/office/drawing/2014/main" id="{E7277CE8-2341-56D7-5437-81A6D9764A39}"/>
               </a:ext>
             </a:extLst>
           </p:cNvPr>
@@ -1169,7 +1169,7 @@
           <p:cNvPr id="6" name="灯片编号占位符 5">
             <a:extLst>
               <a:ext uri="{FF2B5EF4-FFF2-40B4-BE49-F238E27FC236}">
-                <a16:creationId xmlns:a16="http://schemas.microsoft.com/office/drawing/2014/main" id="{EEAF58F4-E1D9-28EE-9A25-C16387FF93C3}"/>
+                <a16:creationId xmlns:a16="http://schemas.microsoft.com/office/drawing/2014/main" id="{09CEBE9B-3927-2C75-3B97-6CE9F75F98B8}"/>
               </a:ext>
             </a:extLst>
           </p:cNvPr>
@@ -1185,7 +1185,7 @@
           <a:bodyPr/>
           <a:lstStyle/>
           <a:p>
-            <a:fld id="{5C69DB18-CE29-4616-8D80-F024CA6C95BC}" type="slidenum">
+            <a:fld id="{7A7AC50B-E2BC-49F8-AACB-B70DAD56CE6D}" type="slidenum">
               <a:rPr lang="zh-CN" altLang="en-US" smtClean="0"/>
               <a:t>‹#›</a:t>
             </a:fld>
@@ -1196,7 +1196,7 @@
     </p:spTree>
     <p:extLst>
       <p:ext uri="{BB962C8B-B14F-4D97-AF65-F5344CB8AC3E}">
-        <p14:creationId xmlns:p14="http://schemas.microsoft.com/office/powerpoint/2010/main" val="916877441"/>
+        <p14:creationId xmlns:p14="http://schemas.microsoft.com/office/powerpoint/2010/main" val="2712493616"/>
       </p:ext>
     </p:extLst>
   </p:cSld>
@@ -1228,7 +1228,7 @@
           <p:cNvPr id="2" name="标题 1">
             <a:extLst>
               <a:ext uri="{FF2B5EF4-FFF2-40B4-BE49-F238E27FC236}">
-                <a16:creationId xmlns:a16="http://schemas.microsoft.com/office/drawing/2014/main" id="{FE6C6FCF-7154-78F3-C88F-C43D41257154}"/>
+                <a16:creationId xmlns:a16="http://schemas.microsoft.com/office/drawing/2014/main" id="{BC834B71-E3EB-474B-8904-89DD36C649CE}"/>
               </a:ext>
             </a:extLst>
           </p:cNvPr>
@@ -1256,7 +1256,7 @@
           <p:cNvPr id="3" name="内容占位符 2">
             <a:extLst>
               <a:ext uri="{FF2B5EF4-FFF2-40B4-BE49-F238E27FC236}">
-                <a16:creationId xmlns:a16="http://schemas.microsoft.com/office/drawing/2014/main" id="{29A7BF02-523B-28C1-7F61-0330AB13E621}"/>
+                <a16:creationId xmlns:a16="http://schemas.microsoft.com/office/drawing/2014/main" id="{592B7450-D41D-1BFC-DCF4-C2ABCF6525F5}"/>
               </a:ext>
             </a:extLst>
           </p:cNvPr>
@@ -1318,7 +1318,7 @@
           <p:cNvPr id="4" name="内容占位符 3">
             <a:extLst>
               <a:ext uri="{FF2B5EF4-FFF2-40B4-BE49-F238E27FC236}">
-                <a16:creationId xmlns:a16="http://schemas.microsoft.com/office/drawing/2014/main" id="{AFA68BA4-7C77-B795-1C5A-28FC4B0CAC9A}"/>
+                <a16:creationId xmlns:a16="http://schemas.microsoft.com/office/drawing/2014/main" id="{59592500-451E-7926-83A9-9C9DBEDE9EFE}"/>
               </a:ext>
             </a:extLst>
           </p:cNvPr>
@@ -1380,7 +1380,7 @@
           <p:cNvPr id="5" name="日期占位符 4">
             <a:extLst>
               <a:ext uri="{FF2B5EF4-FFF2-40B4-BE49-F238E27FC236}">
-                <a16:creationId xmlns:a16="http://schemas.microsoft.com/office/drawing/2014/main" id="{65833610-D40B-1DB8-47C9-F40882602E50}"/>
+                <a16:creationId xmlns:a16="http://schemas.microsoft.com/office/drawing/2014/main" id="{8AA35143-C107-FB27-19BA-31426AD68BF6}"/>
               </a:ext>
             </a:extLst>
           </p:cNvPr>
@@ -1396,7 +1396,7 @@
           <a:bodyPr/>
           <a:lstStyle/>
           <a:p>
-            <a:fld id="{AA539E78-DEBC-4BE3-BD36-4B5A7EECC651}" type="datetimeFigureOut">
+            <a:fld id="{71EF31F9-D284-4D48-B7D4-F902BABF7893}" type="datetimeFigureOut">
               <a:rPr lang="zh-CN" altLang="en-US" smtClean="0"/>
               <a:t>2024/3/10</a:t>
             </a:fld>
@@ -1409,7 +1409,7 @@
           <p:cNvPr id="6" name="页脚占位符 5">
             <a:extLst>
               <a:ext uri="{FF2B5EF4-FFF2-40B4-BE49-F238E27FC236}">
-                <a16:creationId xmlns:a16="http://schemas.microsoft.com/office/drawing/2014/main" id="{AF54BAB3-7DB9-4ED7-7E6C-FA9A3B239EBB}"/>
+                <a16:creationId xmlns:a16="http://schemas.microsoft.com/office/drawing/2014/main" id="{15A2F75D-673A-18FB-C8D5-2AC761340751}"/>
               </a:ext>
             </a:extLst>
           </p:cNvPr>
@@ -1434,7 +1434,7 @@
           <p:cNvPr id="7" name="灯片编号占位符 6">
             <a:extLst>
               <a:ext uri="{FF2B5EF4-FFF2-40B4-BE49-F238E27FC236}">
-                <a16:creationId xmlns:a16="http://schemas.microsoft.com/office/drawing/2014/main" id="{FD87B3DF-F8B0-275A-28D3-9DDA1D35D5AE}"/>
+                <a16:creationId xmlns:a16="http://schemas.microsoft.com/office/drawing/2014/main" id="{24D181D1-A866-AF5B-B43B-E0C13485645A}"/>
               </a:ext>
             </a:extLst>
           </p:cNvPr>
@@ -1450,7 +1450,7 @@
           <a:bodyPr/>
           <a:lstStyle/>
           <a:p>
-            <a:fld id="{5C69DB18-CE29-4616-8D80-F024CA6C95BC}" type="slidenum">
+            <a:fld id="{7A7AC50B-E2BC-49F8-AACB-B70DAD56CE6D}" type="slidenum">
               <a:rPr lang="zh-CN" altLang="en-US" smtClean="0"/>
               <a:t>‹#›</a:t>
             </a:fld>
@@ -1461,7 +1461,7 @@
     </p:spTree>
     <p:extLst>
       <p:ext uri="{BB962C8B-B14F-4D97-AF65-F5344CB8AC3E}">
-        <p14:creationId xmlns:p14="http://schemas.microsoft.com/office/powerpoint/2010/main" val="3401865680"/>
+        <p14:creationId xmlns:p14="http://schemas.microsoft.com/office/powerpoint/2010/main" val="366215185"/>
       </p:ext>
     </p:extLst>
   </p:cSld>
@@ -1493,7 +1493,7 @@
           <p:cNvPr id="2" name="标题 1">
             <a:extLst>
               <a:ext uri="{FF2B5EF4-FFF2-40B4-BE49-F238E27FC236}">
-                <a16:creationId xmlns:a16="http://schemas.microsoft.com/office/drawing/2014/main" id="{9B758526-E8D3-4D04-122A-D607412769D5}"/>
+                <a16:creationId xmlns:a16="http://schemas.microsoft.com/office/drawing/2014/main" id="{CA136765-D34D-29CF-927C-23A3A30245BE}"/>
               </a:ext>
             </a:extLst>
           </p:cNvPr>
@@ -1526,7 +1526,7 @@
           <p:cNvPr id="3" name="文本占位符 2">
             <a:extLst>
               <a:ext uri="{FF2B5EF4-FFF2-40B4-BE49-F238E27FC236}">
-                <a16:creationId xmlns:a16="http://schemas.microsoft.com/office/drawing/2014/main" id="{093A46C6-E6E7-544B-F98D-E54357301BCD}"/>
+                <a16:creationId xmlns:a16="http://schemas.microsoft.com/office/drawing/2014/main" id="{820E458A-D485-DFA8-71C4-0D1789E140A2}"/>
               </a:ext>
             </a:extLst>
           </p:cNvPr>
@@ -1597,7 +1597,7 @@
           <p:cNvPr id="4" name="内容占位符 3">
             <a:extLst>
               <a:ext uri="{FF2B5EF4-FFF2-40B4-BE49-F238E27FC236}">
-                <a16:creationId xmlns:a16="http://schemas.microsoft.com/office/drawing/2014/main" id="{DE6BAAE8-3C07-43CD-F434-B05D42AC9659}"/>
+                <a16:creationId xmlns:a16="http://schemas.microsoft.com/office/drawing/2014/main" id="{8066BA05-19F5-9744-F0FF-965C0542E83C}"/>
               </a:ext>
             </a:extLst>
           </p:cNvPr>
@@ -1659,7 +1659,7 @@
           <p:cNvPr id="5" name="文本占位符 4">
             <a:extLst>
               <a:ext uri="{FF2B5EF4-FFF2-40B4-BE49-F238E27FC236}">
-                <a16:creationId xmlns:a16="http://schemas.microsoft.com/office/drawing/2014/main" id="{223CBF39-BC75-052D-53F7-8F3FD04328BB}"/>
+                <a16:creationId xmlns:a16="http://schemas.microsoft.com/office/drawing/2014/main" id="{9AD02CE0-9EC4-973C-9E1A-7FAFCF936D03}"/>
               </a:ext>
             </a:extLst>
           </p:cNvPr>
@@ -1730,7 +1730,7 @@
           <p:cNvPr id="6" name="内容占位符 5">
             <a:extLst>
               <a:ext uri="{FF2B5EF4-FFF2-40B4-BE49-F238E27FC236}">
-                <a16:creationId xmlns:a16="http://schemas.microsoft.com/office/drawing/2014/main" id="{CC44F315-CF4A-9188-46FD-36AFEA574F95}"/>
+                <a16:creationId xmlns:a16="http://schemas.microsoft.com/office/drawing/2014/main" id="{6C20CF62-DF45-14FE-80A1-53148FD035AB}"/>
               </a:ext>
             </a:extLst>
           </p:cNvPr>
@@ -1792,7 +1792,7 @@
           <p:cNvPr id="7" name="日期占位符 6">
             <a:extLst>
               <a:ext uri="{FF2B5EF4-FFF2-40B4-BE49-F238E27FC236}">
-                <a16:creationId xmlns:a16="http://schemas.microsoft.com/office/drawing/2014/main" id="{541C2B66-517D-FE78-53AE-F90D53B7533F}"/>
+                <a16:creationId xmlns:a16="http://schemas.microsoft.com/office/drawing/2014/main" id="{036AD48C-05FA-2B6A-5AC6-968556249393}"/>
               </a:ext>
             </a:extLst>
           </p:cNvPr>
@@ -1808,7 +1808,7 @@
           <a:bodyPr/>
           <a:lstStyle/>
           <a:p>
-            <a:fld id="{AA539E78-DEBC-4BE3-BD36-4B5A7EECC651}" type="datetimeFigureOut">
+            <a:fld id="{71EF31F9-D284-4D48-B7D4-F902BABF7893}" type="datetimeFigureOut">
               <a:rPr lang="zh-CN" altLang="en-US" smtClean="0"/>
               <a:t>2024/3/10</a:t>
             </a:fld>
@@ -1821,7 +1821,7 @@
           <p:cNvPr id="8" name="页脚占位符 7">
             <a:extLst>
               <a:ext uri="{FF2B5EF4-FFF2-40B4-BE49-F238E27FC236}">
-                <a16:creationId xmlns:a16="http://schemas.microsoft.com/office/drawing/2014/main" id="{7FA614B7-58FF-543D-74AB-75FDE28948F8}"/>
+                <a16:creationId xmlns:a16="http://schemas.microsoft.com/office/drawing/2014/main" id="{8318ECB5-D04A-7461-06B2-A55A7B6AE090}"/>
               </a:ext>
             </a:extLst>
           </p:cNvPr>
@@ -1846,7 +1846,7 @@
           <p:cNvPr id="9" name="灯片编号占位符 8">
             <a:extLst>
               <a:ext uri="{FF2B5EF4-FFF2-40B4-BE49-F238E27FC236}">
-                <a16:creationId xmlns:a16="http://schemas.microsoft.com/office/drawing/2014/main" id="{75047E13-63AE-08C7-62C8-D5A04E7A1692}"/>
+                <a16:creationId xmlns:a16="http://schemas.microsoft.com/office/drawing/2014/main" id="{2AC7E24D-24DE-8740-CD1F-FE454D670F01}"/>
               </a:ext>
             </a:extLst>
           </p:cNvPr>
@@ -1862,7 +1862,7 @@
           <a:bodyPr/>
           <a:lstStyle/>
           <a:p>
-            <a:fld id="{5C69DB18-CE29-4616-8D80-F024CA6C95BC}" type="slidenum">
+            <a:fld id="{7A7AC50B-E2BC-49F8-AACB-B70DAD56CE6D}" type="slidenum">
               <a:rPr lang="zh-CN" altLang="en-US" smtClean="0"/>
               <a:t>‹#›</a:t>
             </a:fld>
@@ -1873,7 +1873,7 @@
     </p:spTree>
     <p:extLst>
       <p:ext uri="{BB962C8B-B14F-4D97-AF65-F5344CB8AC3E}">
-        <p14:creationId xmlns:p14="http://schemas.microsoft.com/office/powerpoint/2010/main" val="2111228331"/>
+        <p14:creationId xmlns:p14="http://schemas.microsoft.com/office/powerpoint/2010/main" val="3710922854"/>
       </p:ext>
     </p:extLst>
   </p:cSld>
@@ -1905,7 +1905,7 @@
           <p:cNvPr id="2" name="标题 1">
             <a:extLst>
               <a:ext uri="{FF2B5EF4-FFF2-40B4-BE49-F238E27FC236}">
-                <a16:creationId xmlns:a16="http://schemas.microsoft.com/office/drawing/2014/main" id="{1700C821-E3C7-6BB0-C283-D1C931ED14D7}"/>
+                <a16:creationId xmlns:a16="http://schemas.microsoft.com/office/drawing/2014/main" id="{3A72448B-E141-B6E7-5875-E66EC120626E}"/>
               </a:ext>
             </a:extLst>
           </p:cNvPr>
@@ -1933,7 +1933,7 @@
           <p:cNvPr id="3" name="日期占位符 2">
             <a:extLst>
               <a:ext uri="{FF2B5EF4-FFF2-40B4-BE49-F238E27FC236}">
-                <a16:creationId xmlns:a16="http://schemas.microsoft.com/office/drawing/2014/main" id="{D68A8567-7413-A806-C7DD-8EFC7E3757EC}"/>
+                <a16:creationId xmlns:a16="http://schemas.microsoft.com/office/drawing/2014/main" id="{D8C2264C-9333-B2D0-7621-6BB3F05CC40A}"/>
               </a:ext>
             </a:extLst>
           </p:cNvPr>
@@ -1949,7 +1949,7 @@
           <a:bodyPr/>
           <a:lstStyle/>
           <a:p>
-            <a:fld id="{AA539E78-DEBC-4BE3-BD36-4B5A7EECC651}" type="datetimeFigureOut">
+            <a:fld id="{71EF31F9-D284-4D48-B7D4-F902BABF7893}" type="datetimeFigureOut">
               <a:rPr lang="zh-CN" altLang="en-US" smtClean="0"/>
               <a:t>2024/3/10</a:t>
             </a:fld>
@@ -1962,7 +1962,7 @@
           <p:cNvPr id="4" name="页脚占位符 3">
             <a:extLst>
               <a:ext uri="{FF2B5EF4-FFF2-40B4-BE49-F238E27FC236}">
-                <a16:creationId xmlns:a16="http://schemas.microsoft.com/office/drawing/2014/main" id="{6EF09B4E-2FB6-AF98-37E3-4E00B1814C0A}"/>
+                <a16:creationId xmlns:a16="http://schemas.microsoft.com/office/drawing/2014/main" id="{CE2F3095-8001-7263-2993-7B7CDAC5D8E9}"/>
               </a:ext>
             </a:extLst>
           </p:cNvPr>
@@ -1987,7 +1987,7 @@
           <p:cNvPr id="5" name="灯片编号占位符 4">
             <a:extLst>
               <a:ext uri="{FF2B5EF4-FFF2-40B4-BE49-F238E27FC236}">
-                <a16:creationId xmlns:a16="http://schemas.microsoft.com/office/drawing/2014/main" id="{4D29CA27-4D9B-C42F-A569-983BBFEEFDFB}"/>
+                <a16:creationId xmlns:a16="http://schemas.microsoft.com/office/drawing/2014/main" id="{3772EE88-C9E0-8615-70B2-6CA77D04715B}"/>
               </a:ext>
             </a:extLst>
           </p:cNvPr>
@@ -2003,7 +2003,7 @@
           <a:bodyPr/>
           <a:lstStyle/>
           <a:p>
-            <a:fld id="{5C69DB18-CE29-4616-8D80-F024CA6C95BC}" type="slidenum">
+            <a:fld id="{7A7AC50B-E2BC-49F8-AACB-B70DAD56CE6D}" type="slidenum">
               <a:rPr lang="zh-CN" altLang="en-US" smtClean="0"/>
               <a:t>‹#›</a:t>
             </a:fld>
@@ -2014,7 +2014,7 @@
     </p:spTree>
     <p:extLst>
       <p:ext uri="{BB962C8B-B14F-4D97-AF65-F5344CB8AC3E}">
-        <p14:creationId xmlns:p14="http://schemas.microsoft.com/office/powerpoint/2010/main" val="2782587925"/>
+        <p14:creationId xmlns:p14="http://schemas.microsoft.com/office/powerpoint/2010/main" val="336157624"/>
       </p:ext>
     </p:extLst>
   </p:cSld>
@@ -2046,7 +2046,7 @@
           <p:cNvPr id="2" name="日期占位符 1">
             <a:extLst>
               <a:ext uri="{FF2B5EF4-FFF2-40B4-BE49-F238E27FC236}">
-                <a16:creationId xmlns:a16="http://schemas.microsoft.com/office/drawing/2014/main" id="{DB5B5ADA-C4C4-B1E5-DEA8-0A40B8DAB4BA}"/>
+                <a16:creationId xmlns:a16="http://schemas.microsoft.com/office/drawing/2014/main" id="{EE00AD5A-0FE8-3437-BB70-01BF8755BB1C}"/>
               </a:ext>
             </a:extLst>
           </p:cNvPr>
@@ -2062,7 +2062,7 @@
           <a:bodyPr/>
           <a:lstStyle/>
           <a:p>
-            <a:fld id="{AA539E78-DEBC-4BE3-BD36-4B5A7EECC651}" type="datetimeFigureOut">
+            <a:fld id="{71EF31F9-D284-4D48-B7D4-F902BABF7893}" type="datetimeFigureOut">
               <a:rPr lang="zh-CN" altLang="en-US" smtClean="0"/>
               <a:t>2024/3/10</a:t>
             </a:fld>
@@ -2075,7 +2075,7 @@
           <p:cNvPr id="3" name="页脚占位符 2">
             <a:extLst>
               <a:ext uri="{FF2B5EF4-FFF2-40B4-BE49-F238E27FC236}">
-                <a16:creationId xmlns:a16="http://schemas.microsoft.com/office/drawing/2014/main" id="{F3A8E53E-4FC6-F07E-3CA1-12FA476A6DA0}"/>
+                <a16:creationId xmlns:a16="http://schemas.microsoft.com/office/drawing/2014/main" id="{2F65FE8E-EAF3-80E8-FEEE-BA1D0C03D37A}"/>
               </a:ext>
             </a:extLst>
           </p:cNvPr>
@@ -2100,7 +2100,7 @@
           <p:cNvPr id="4" name="灯片编号占位符 3">
             <a:extLst>
               <a:ext uri="{FF2B5EF4-FFF2-40B4-BE49-F238E27FC236}">
-                <a16:creationId xmlns:a16="http://schemas.microsoft.com/office/drawing/2014/main" id="{51073F9D-A3F7-BD3B-8099-CF0EC2492EEF}"/>
+                <a16:creationId xmlns:a16="http://schemas.microsoft.com/office/drawing/2014/main" id="{D57C23B8-78D6-1235-D42C-59AD4C439D87}"/>
               </a:ext>
             </a:extLst>
           </p:cNvPr>
@@ -2116,7 +2116,7 @@
           <a:bodyPr/>
           <a:lstStyle/>
           <a:p>
-            <a:fld id="{5C69DB18-CE29-4616-8D80-F024CA6C95BC}" type="slidenum">
+            <a:fld id="{7A7AC50B-E2BC-49F8-AACB-B70DAD56CE6D}" type="slidenum">
               <a:rPr lang="zh-CN" altLang="en-US" smtClean="0"/>
               <a:t>‹#›</a:t>
             </a:fld>
@@ -2127,7 +2127,7 @@
     </p:spTree>
     <p:extLst>
       <p:ext uri="{BB962C8B-B14F-4D97-AF65-F5344CB8AC3E}">
-        <p14:creationId xmlns:p14="http://schemas.microsoft.com/office/powerpoint/2010/main" val="722267433"/>
+        <p14:creationId xmlns:p14="http://schemas.microsoft.com/office/powerpoint/2010/main" val="3542961288"/>
       </p:ext>
     </p:extLst>
   </p:cSld>
@@ -2159,7 +2159,7 @@
           <p:cNvPr id="2" name="标题 1">
             <a:extLst>
               <a:ext uri="{FF2B5EF4-FFF2-40B4-BE49-F238E27FC236}">
-                <a16:creationId xmlns:a16="http://schemas.microsoft.com/office/drawing/2014/main" id="{EF673B4F-0C35-06B3-3DF6-775466740D2C}"/>
+                <a16:creationId xmlns:a16="http://schemas.microsoft.com/office/drawing/2014/main" id="{07F991EC-463A-C320-B09C-403FD71D6110}"/>
               </a:ext>
             </a:extLst>
           </p:cNvPr>
@@ -2196,7 +2196,7 @@
           <p:cNvPr id="3" name="内容占位符 2">
             <a:extLst>
               <a:ext uri="{FF2B5EF4-FFF2-40B4-BE49-F238E27FC236}">
-                <a16:creationId xmlns:a16="http://schemas.microsoft.com/office/drawing/2014/main" id="{2BD0C196-003E-F64C-3F40-52B27DE75EB9}"/>
+                <a16:creationId xmlns:a16="http://schemas.microsoft.com/office/drawing/2014/main" id="{EB1FF21B-8E44-AD44-2AD0-358B06FD7108}"/>
               </a:ext>
             </a:extLst>
           </p:cNvPr>
@@ -2286,7 +2286,7 @@
           <p:cNvPr id="4" name="文本占位符 3">
             <a:extLst>
               <a:ext uri="{FF2B5EF4-FFF2-40B4-BE49-F238E27FC236}">
-                <a16:creationId xmlns:a16="http://schemas.microsoft.com/office/drawing/2014/main" id="{34E72C3B-32BF-E3C2-0FA0-7BEE3D0E7B71}"/>
+                <a16:creationId xmlns:a16="http://schemas.microsoft.com/office/drawing/2014/main" id="{9F9E4742-BC86-7A96-821B-AEFD74602B15}"/>
               </a:ext>
             </a:extLst>
           </p:cNvPr>
@@ -2357,7 +2357,7 @@
           <p:cNvPr id="5" name="日期占位符 4">
             <a:extLst>
               <a:ext uri="{FF2B5EF4-FFF2-40B4-BE49-F238E27FC236}">
-                <a16:creationId xmlns:a16="http://schemas.microsoft.com/office/drawing/2014/main" id="{7209B7AA-3694-A57B-870A-82279DE97ECE}"/>
+                <a16:creationId xmlns:a16="http://schemas.microsoft.com/office/drawing/2014/main" id="{89666075-9443-DE84-19F4-17652EC0187A}"/>
               </a:ext>
             </a:extLst>
           </p:cNvPr>
@@ -2373,7 +2373,7 @@
           <a:bodyPr/>
           <a:lstStyle/>
           <a:p>
-            <a:fld id="{AA539E78-DEBC-4BE3-BD36-4B5A7EECC651}" type="datetimeFigureOut">
+            <a:fld id="{71EF31F9-D284-4D48-B7D4-F902BABF7893}" type="datetimeFigureOut">
               <a:rPr lang="zh-CN" altLang="en-US" smtClean="0"/>
               <a:t>2024/3/10</a:t>
             </a:fld>
@@ -2386,7 +2386,7 @@
           <p:cNvPr id="6" name="页脚占位符 5">
             <a:extLst>
               <a:ext uri="{FF2B5EF4-FFF2-40B4-BE49-F238E27FC236}">
-                <a16:creationId xmlns:a16="http://schemas.microsoft.com/office/drawing/2014/main" id="{B45019C1-A167-D1B3-D69F-044EB74A48A0}"/>
+                <a16:creationId xmlns:a16="http://schemas.microsoft.com/office/drawing/2014/main" id="{F79EC85D-8EFB-5C7B-D256-B0DAC550F1D8}"/>
               </a:ext>
             </a:extLst>
           </p:cNvPr>
@@ -2411,7 +2411,7 @@
           <p:cNvPr id="7" name="灯片编号占位符 6">
             <a:extLst>
               <a:ext uri="{FF2B5EF4-FFF2-40B4-BE49-F238E27FC236}">
-                <a16:creationId xmlns:a16="http://schemas.microsoft.com/office/drawing/2014/main" id="{7E16FF47-6C10-3046-C73E-7BA14F968AE3}"/>
+                <a16:creationId xmlns:a16="http://schemas.microsoft.com/office/drawing/2014/main" id="{02318E31-8D1E-39A9-74E9-BBA4070EB5AB}"/>
               </a:ext>
             </a:extLst>
           </p:cNvPr>
@@ -2427,7 +2427,7 @@
           <a:bodyPr/>
           <a:lstStyle/>
           <a:p>
-            <a:fld id="{5C69DB18-CE29-4616-8D80-F024CA6C95BC}" type="slidenum">
+            <a:fld id="{7A7AC50B-E2BC-49F8-AACB-B70DAD56CE6D}" type="slidenum">
               <a:rPr lang="zh-CN" altLang="en-US" smtClean="0"/>
               <a:t>‹#›</a:t>
             </a:fld>
@@ -2438,7 +2438,7 @@
     </p:spTree>
     <p:extLst>
       <p:ext uri="{BB962C8B-B14F-4D97-AF65-F5344CB8AC3E}">
-        <p14:creationId xmlns:p14="http://schemas.microsoft.com/office/powerpoint/2010/main" val="1534690261"/>
+        <p14:creationId xmlns:p14="http://schemas.microsoft.com/office/powerpoint/2010/main" val="1943645100"/>
       </p:ext>
     </p:extLst>
   </p:cSld>
@@ -2470,7 +2470,7 @@
           <p:cNvPr id="2" name="标题 1">
             <a:extLst>
               <a:ext uri="{FF2B5EF4-FFF2-40B4-BE49-F238E27FC236}">
-                <a16:creationId xmlns:a16="http://schemas.microsoft.com/office/drawing/2014/main" id="{530DF926-E9BF-D0BC-46D2-5C68CA6D6E0C}"/>
+                <a16:creationId xmlns:a16="http://schemas.microsoft.com/office/drawing/2014/main" id="{0AC7CAB3-D31B-B2CE-D9ED-9ABDE4CDB2DF}"/>
               </a:ext>
             </a:extLst>
           </p:cNvPr>
@@ -2507,7 +2507,7 @@
           <p:cNvPr id="3" name="图片占位符 2">
             <a:extLst>
               <a:ext uri="{FF2B5EF4-FFF2-40B4-BE49-F238E27FC236}">
-                <a16:creationId xmlns:a16="http://schemas.microsoft.com/office/drawing/2014/main" id="{1AA1E4F0-7AE8-BAE7-9D20-2C243D54DC79}"/>
+                <a16:creationId xmlns:a16="http://schemas.microsoft.com/office/drawing/2014/main" id="{7A961524-C336-204D-8D88-27CB80B40BB8}"/>
               </a:ext>
             </a:extLst>
           </p:cNvPr>
@@ -2574,7 +2574,7 @@
           <p:cNvPr id="4" name="文本占位符 3">
             <a:extLst>
               <a:ext uri="{FF2B5EF4-FFF2-40B4-BE49-F238E27FC236}">
-                <a16:creationId xmlns:a16="http://schemas.microsoft.com/office/drawing/2014/main" id="{BA82E216-1A17-1473-AF59-20F6C4E2A5CB}"/>
+                <a16:creationId xmlns:a16="http://schemas.microsoft.com/office/drawing/2014/main" id="{D0D8ECAE-E13A-6987-8A4F-CC97E5337B0A}"/>
               </a:ext>
             </a:extLst>
           </p:cNvPr>
@@ -2645,7 +2645,7 @@
           <p:cNvPr id="5" name="日期占位符 4">
             <a:extLst>
               <a:ext uri="{FF2B5EF4-FFF2-40B4-BE49-F238E27FC236}">
-                <a16:creationId xmlns:a16="http://schemas.microsoft.com/office/drawing/2014/main" id="{C887F179-4870-1FD6-213B-7967D057D201}"/>
+                <a16:creationId xmlns:a16="http://schemas.microsoft.com/office/drawing/2014/main" id="{4D1D0D1C-A0A5-69C8-7077-E1719A3F8A66}"/>
               </a:ext>
             </a:extLst>
           </p:cNvPr>
@@ -2661,7 +2661,7 @@
           <a:bodyPr/>
           <a:lstStyle/>
           <a:p>
-            <a:fld id="{AA539E78-DEBC-4BE3-BD36-4B5A7EECC651}" type="datetimeFigureOut">
+            <a:fld id="{71EF31F9-D284-4D48-B7D4-F902BABF7893}" type="datetimeFigureOut">
               <a:rPr lang="zh-CN" altLang="en-US" smtClean="0"/>
               <a:t>2024/3/10</a:t>
             </a:fld>
@@ -2674,7 +2674,7 @@
           <p:cNvPr id="6" name="页脚占位符 5">
             <a:extLst>
               <a:ext uri="{FF2B5EF4-FFF2-40B4-BE49-F238E27FC236}">
-                <a16:creationId xmlns:a16="http://schemas.microsoft.com/office/drawing/2014/main" id="{142EC2E7-2E47-749B-C275-951C0CE36B8C}"/>
+                <a16:creationId xmlns:a16="http://schemas.microsoft.com/office/drawing/2014/main" id="{68EFB59F-2060-C9C6-FAAF-849351A2E00D}"/>
               </a:ext>
             </a:extLst>
           </p:cNvPr>
@@ -2699,7 +2699,7 @@
           <p:cNvPr id="7" name="灯片编号占位符 6">
             <a:extLst>
               <a:ext uri="{FF2B5EF4-FFF2-40B4-BE49-F238E27FC236}">
-                <a16:creationId xmlns:a16="http://schemas.microsoft.com/office/drawing/2014/main" id="{7668A7FE-0A69-042B-1883-EDDFA3F356AF}"/>
+                <a16:creationId xmlns:a16="http://schemas.microsoft.com/office/drawing/2014/main" id="{FB515878-49DD-421F-B7B5-ED28B9E32705}"/>
               </a:ext>
             </a:extLst>
           </p:cNvPr>
@@ -2715,7 +2715,7 @@
           <a:bodyPr/>
           <a:lstStyle/>
           <a:p>
-            <a:fld id="{5C69DB18-CE29-4616-8D80-F024CA6C95BC}" type="slidenum">
+            <a:fld id="{7A7AC50B-E2BC-49F8-AACB-B70DAD56CE6D}" type="slidenum">
               <a:rPr lang="zh-CN" altLang="en-US" smtClean="0"/>
               <a:t>‹#›</a:t>
             </a:fld>
@@ -2726,7 +2726,7 @@
     </p:spTree>
     <p:extLst>
       <p:ext uri="{BB962C8B-B14F-4D97-AF65-F5344CB8AC3E}">
-        <p14:creationId xmlns:p14="http://schemas.microsoft.com/office/powerpoint/2010/main" val="4271347102"/>
+        <p14:creationId xmlns:p14="http://schemas.microsoft.com/office/powerpoint/2010/main" val="437081234"/>
       </p:ext>
     </p:extLst>
   </p:cSld>
@@ -2763,7 +2763,7 @@
           <p:cNvPr id="2" name="标题占位符 1">
             <a:extLst>
               <a:ext uri="{FF2B5EF4-FFF2-40B4-BE49-F238E27FC236}">
-                <a16:creationId xmlns:a16="http://schemas.microsoft.com/office/drawing/2014/main" id="{F4B22076-3192-9072-4D04-A3B372BE8203}"/>
+                <a16:creationId xmlns:a16="http://schemas.microsoft.com/office/drawing/2014/main" id="{295842C8-4F61-7A9E-3CC8-8812DC566C9C}"/>
               </a:ext>
             </a:extLst>
           </p:cNvPr>
@@ -2801,7 +2801,7 @@
           <p:cNvPr id="3" name="文本占位符 2">
             <a:extLst>
               <a:ext uri="{FF2B5EF4-FFF2-40B4-BE49-F238E27FC236}">
-                <a16:creationId xmlns:a16="http://schemas.microsoft.com/office/drawing/2014/main" id="{1EA2B197-594F-F429-287D-869D1477D168}"/>
+                <a16:creationId xmlns:a16="http://schemas.microsoft.com/office/drawing/2014/main" id="{E5917A1F-C582-1947-0F39-F8DF945BCC8D}"/>
               </a:ext>
             </a:extLst>
           </p:cNvPr>
@@ -2868,7 +2868,7 @@
           <p:cNvPr id="4" name="日期占位符 3">
             <a:extLst>
               <a:ext uri="{FF2B5EF4-FFF2-40B4-BE49-F238E27FC236}">
-                <a16:creationId xmlns:a16="http://schemas.microsoft.com/office/drawing/2014/main" id="{C99A4661-5D4F-1508-AC6D-7510DF56A87F}"/>
+                <a16:creationId xmlns:a16="http://schemas.microsoft.com/office/drawing/2014/main" id="{95539D57-7787-C644-F422-7548872D8AED}"/>
               </a:ext>
             </a:extLst>
           </p:cNvPr>
@@ -2902,7 +2902,7 @@
             </a:lvl1pPr>
           </a:lstStyle>
           <a:p>
-            <a:fld id="{AA539E78-DEBC-4BE3-BD36-4B5A7EECC651}" type="datetimeFigureOut">
+            <a:fld id="{71EF31F9-D284-4D48-B7D4-F902BABF7893}" type="datetimeFigureOut">
               <a:rPr lang="zh-CN" altLang="en-US" smtClean="0"/>
               <a:t>2024/3/10</a:t>
             </a:fld>
@@ -2915,7 +2915,7 @@
           <p:cNvPr id="5" name="页脚占位符 4">
             <a:extLst>
               <a:ext uri="{FF2B5EF4-FFF2-40B4-BE49-F238E27FC236}">
-                <a16:creationId xmlns:a16="http://schemas.microsoft.com/office/drawing/2014/main" id="{4F6781CB-DDB5-4D71-A78A-01897C8232C8}"/>
+                <a16:creationId xmlns:a16="http://schemas.microsoft.com/office/drawing/2014/main" id="{B162347B-75F0-6701-1BC6-E8BA2BE517FD}"/>
               </a:ext>
             </a:extLst>
           </p:cNvPr>
@@ -2958,7 +2958,7 @@
           <p:cNvPr id="6" name="灯片编号占位符 5">
             <a:extLst>
               <a:ext uri="{FF2B5EF4-FFF2-40B4-BE49-F238E27FC236}">
-                <a16:creationId xmlns:a16="http://schemas.microsoft.com/office/drawing/2014/main" id="{0EA61DA9-7FD3-3191-8612-0B543BB804D2}"/>
+                <a16:creationId xmlns:a16="http://schemas.microsoft.com/office/drawing/2014/main" id="{045689A6-A3FA-0C2A-0B20-AD42979B4192}"/>
               </a:ext>
             </a:extLst>
           </p:cNvPr>
@@ -2992,7 +2992,7 @@
             </a:lvl1pPr>
           </a:lstStyle>
           <a:p>
-            <a:fld id="{5C69DB18-CE29-4616-8D80-F024CA6C95BC}" type="slidenum">
+            <a:fld id="{7A7AC50B-E2BC-49F8-AACB-B70DAD56CE6D}" type="slidenum">
               <a:rPr lang="zh-CN" altLang="en-US" smtClean="0"/>
               <a:t>‹#›</a:t>
             </a:fld>
@@ -3003,7 +3003,7 @@
     </p:spTree>
     <p:extLst>
       <p:ext uri="{BB962C8B-B14F-4D97-AF65-F5344CB8AC3E}">
-        <p14:creationId xmlns:p14="http://schemas.microsoft.com/office/powerpoint/2010/main" val="149697159"/>
+        <p14:creationId xmlns:p14="http://schemas.microsoft.com/office/powerpoint/2010/main" val="1238297496"/>
       </p:ext>
     </p:extLst>
   </p:cSld>
@@ -3323,7 +3323,7 @@
       </p:grpSpPr>
       <p:pic>
         <p:nvPicPr>
-          <p:cNvPr id="620546" name="Picture 2" descr="605"/>
+          <p:cNvPr id="621570" name="Picture 2" descr="606"/>
           <p:cNvPicPr>
             <a:picLocks noChangeAspect="1" noChangeArrowheads="1"/>
           </p:cNvPicPr>
@@ -3375,11 +3375,158 @@
           </a:extLst>
         </p:spPr>
       </p:pic>
+      <p:pic>
+        <p:nvPicPr>
+          <p:cNvPr id="622595" name="Picture 3" descr="606-2"/>
+          <p:cNvPicPr>
+            <a:picLocks noChangeAspect="1" noChangeArrowheads="1"/>
+          </p:cNvPicPr>
+          <p:nvPr/>
+        </p:nvPicPr>
+        <p:blipFill>
+          <a:blip r:embed="rId3">
+            <a:extLst>
+              <a:ext uri="{28A0092B-C50C-407E-A947-70E740481C1C}">
+                <a14:useLocalDpi xmlns:a14="http://schemas.microsoft.com/office/drawing/2010/main" val="0"/>
+              </a:ext>
+            </a:extLst>
+          </a:blip>
+          <a:srcRect/>
+          <a:stretch>
+            <a:fillRect/>
+          </a:stretch>
+        </p:blipFill>
+        <p:spPr bwMode="auto">
+          <a:xfrm>
+            <a:off x="1524000" y="0"/>
+            <a:ext cx="9144000" cy="6859588"/>
+          </a:xfrm>
+          <a:prstGeom prst="rect">
+            <a:avLst/>
+          </a:prstGeom>
+          <a:noFill/>
+          <a:ln>
+            <a:noFill/>
+          </a:ln>
+          <a:effectLst/>
+          <a:extLst>
+            <a:ext uri="{909E8E84-426E-40DD-AFC4-6F175D3DCCD1}">
+              <a14:hiddenFill xmlns:a14="http://schemas.microsoft.com/office/drawing/2010/main">
+                <a:solidFill>
+                  <a:srgbClr val="FFFFFF"/>
+                </a:solidFill>
+              </a14:hiddenFill>
+            </a:ext>
+            <a:ext uri="{91240B29-F687-4F45-9708-019B960494DF}">
+              <a14:hiddenLine xmlns:a14="http://schemas.microsoft.com/office/drawing/2010/main" w="9525">
+                <a:solidFill>
+                  <a:srgbClr val="000000"/>
+                </a:solidFill>
+                <a:miter lim="800000"/>
+                <a:headEnd/>
+                <a:tailEnd/>
+              </a14:hiddenLine>
+            </a:ext>
+            <a:ext uri="{AF507438-7753-43E0-B8FC-AC1667EBCBE1}">
+              <a14:hiddenEffects xmlns:a14="http://schemas.microsoft.com/office/drawing/2010/main">
+                <a:effectLst>
+                  <a:outerShdw dist="35921" dir="2700000" algn="ctr" rotWithShape="0">
+                    <a:srgbClr val="808080"/>
+                  </a:outerShdw>
+                </a:effectLst>
+              </a14:hiddenEffects>
+            </a:ext>
+          </a:extLst>
+        </p:spPr>
+      </p:pic>
     </p:spTree>
   </p:cSld>
   <p:clrMapOvr>
     <a:masterClrMapping/>
   </p:clrMapOvr>
+  <p:timing>
+    <p:tnLst>
+      <p:par>
+        <p:cTn id="1" dur="indefinite" restart="never" nodeType="tmRoot">
+          <p:childTnLst>
+            <p:seq concurrent="1" nextAc="seek">
+              <p:cTn id="2" dur="indefinite" nodeType="mainSeq">
+                <p:childTnLst>
+                  <p:par>
+                    <p:cTn id="3" fill="hold" nodeType="clickPar">
+                      <p:stCondLst>
+                        <p:cond delay="indefinite"/>
+                      </p:stCondLst>
+                      <p:childTnLst>
+                        <p:par>
+                          <p:cTn id="4" fill="hold" nodeType="withGroup">
+                            <p:stCondLst>
+                              <p:cond delay="0"/>
+                            </p:stCondLst>
+                            <p:childTnLst>
+                              <p:par>
+                                <p:cTn id="5" presetID="10" presetClass="entr" presetSubtype="0" fill="hold" nodeType="clickEffect">
+                                  <p:stCondLst>
+                                    <p:cond delay="0"/>
+                                  </p:stCondLst>
+                                  <p:childTnLst>
+                                    <p:set>
+                                      <p:cBhvr>
+                                        <p:cTn id="6" dur="1" fill="hold">
+                                          <p:stCondLst>
+                                            <p:cond delay="0"/>
+                                          </p:stCondLst>
+                                        </p:cTn>
+                                        <p:tgtEl>
+                                          <p:spTgt spid="622595"/>
+                                        </p:tgtEl>
+                                        <p:attrNameLst>
+                                          <p:attrName>style.visibility</p:attrName>
+                                        </p:attrNameLst>
+                                      </p:cBhvr>
+                                      <p:to>
+                                        <p:strVal val="visible"/>
+                                      </p:to>
+                                    </p:set>
+                                    <p:animEffect transition="in" filter="fade">
+                                      <p:cBhvr>
+                                        <p:cTn id="7" dur="500"/>
+                                        <p:tgtEl>
+                                          <p:spTgt spid="622595"/>
+                                        </p:tgtEl>
+                                      </p:cBhvr>
+                                    </p:animEffect>
+                                  </p:childTnLst>
+                                </p:cTn>
+                              </p:par>
+                            </p:childTnLst>
+                          </p:cTn>
+                        </p:par>
+                      </p:childTnLst>
+                    </p:cTn>
+                  </p:par>
+                </p:childTnLst>
+              </p:cTn>
+              <p:prevCondLst>
+                <p:cond evt="onPrev" delay="0">
+                  <p:tgtEl>
+                    <p:sldTgt/>
+                  </p:tgtEl>
+                </p:cond>
+              </p:prevCondLst>
+              <p:nextCondLst>
+                <p:cond evt="onNext" delay="0">
+                  <p:tgtEl>
+                    <p:sldTgt/>
+                  </p:tgtEl>
+                </p:cond>
+              </p:nextCondLst>
+            </p:seq>
+          </p:childTnLst>
+        </p:cTn>
+      </p:par>
+    </p:tnLst>
+  </p:timing>
 </p:sld>
 </file>
 
